--- a/doc/excalibur-top-level-public.pptx
+++ b/doc/excalibur-top-level-public.pptx
@@ -4404,6 +4404,120 @@
           </a:p>
         </p:txBody>
       </p:sp>
+      <p:sp>
+        <p:nvSpPr>
+          <p:cNvPr id="27" name="Rectangle 26">
+            <a:extLst>
+              <a:ext uri="{FF2B5EF4-FFF2-40B4-BE49-F238E27FC236}">
+                <a16:creationId xmlns:a16="http://schemas.microsoft.com/office/drawing/2014/main" id="{161FF809-815D-49FD-8A16-F2FE0ABFE78F}"/>
+              </a:ext>
+            </a:extLst>
+          </p:cNvPr>
+          <p:cNvSpPr/>
+          <p:nvPr/>
+        </p:nvSpPr>
+        <p:spPr>
+          <a:xfrm>
+            <a:off x="1153328" y="1628084"/>
+            <a:ext cx="4942665" cy="1800916"/>
+          </a:xfrm>
+          <a:prstGeom prst="rect">
+            <a:avLst/>
+          </a:prstGeom>
+          <a:noFill/>
+          <a:ln w="25400">
+            <a:solidFill>
+              <a:schemeClr val="tx1"/>
+            </a:solidFill>
+            <a:prstDash val="sysDot"/>
+          </a:ln>
+        </p:spPr>
+        <p:style>
+          <a:lnRef idx="2">
+            <a:schemeClr val="accent1">
+              <a:shade val="50000"/>
+            </a:schemeClr>
+          </a:lnRef>
+          <a:fillRef idx="1">
+            <a:schemeClr val="accent1"/>
+          </a:fillRef>
+          <a:effectRef idx="0">
+            <a:schemeClr val="accent1"/>
+          </a:effectRef>
+          <a:fontRef idx="minor">
+            <a:schemeClr val="lt1"/>
+          </a:fontRef>
+        </p:style>
+        <p:txBody>
+          <a:bodyPr rtlCol="0" anchor="b"/>
+          <a:lstStyle/>
+          <a:p>
+            <a:pPr algn="r"/>
+            <a:endParaRPr lang="en-US" sz="1400" dirty="0">
+              <a:solidFill>
+                <a:schemeClr val="tx1"/>
+              </a:solidFill>
+            </a:endParaRPr>
+          </a:p>
+        </p:txBody>
+      </p:sp>
+      <p:sp>
+        <p:nvSpPr>
+          <p:cNvPr id="28" name="Rectangle 27">
+            <a:extLst>
+              <a:ext uri="{FF2B5EF4-FFF2-40B4-BE49-F238E27FC236}">
+                <a16:creationId xmlns:a16="http://schemas.microsoft.com/office/drawing/2014/main" id="{4B7611C9-0261-4FF0-B0DB-0CAA4C664F96}"/>
+              </a:ext>
+            </a:extLst>
+          </p:cNvPr>
+          <p:cNvSpPr/>
+          <p:nvPr/>
+        </p:nvSpPr>
+        <p:spPr>
+          <a:xfrm>
+            <a:off x="1164039" y="3649471"/>
+            <a:ext cx="7979961" cy="1872440"/>
+          </a:xfrm>
+          <a:prstGeom prst="rect">
+            <a:avLst/>
+          </a:prstGeom>
+          <a:noFill/>
+          <a:ln w="25400">
+            <a:solidFill>
+              <a:schemeClr val="tx1"/>
+            </a:solidFill>
+            <a:prstDash val="sysDot"/>
+          </a:ln>
+        </p:spPr>
+        <p:style>
+          <a:lnRef idx="2">
+            <a:schemeClr val="accent1">
+              <a:shade val="50000"/>
+            </a:schemeClr>
+          </a:lnRef>
+          <a:fillRef idx="1">
+            <a:schemeClr val="accent1"/>
+          </a:fillRef>
+          <a:effectRef idx="0">
+            <a:schemeClr val="accent1"/>
+          </a:effectRef>
+          <a:fontRef idx="minor">
+            <a:schemeClr val="lt1"/>
+          </a:fontRef>
+        </p:style>
+        <p:txBody>
+          <a:bodyPr rtlCol="0" anchor="b"/>
+          <a:lstStyle/>
+          <a:p>
+            <a:pPr algn="r"/>
+            <a:endParaRPr lang="en-US" sz="1400" dirty="0">
+              <a:solidFill>
+                <a:schemeClr val="tx1"/>
+              </a:solidFill>
+            </a:endParaRPr>
+          </a:p>
+        </p:txBody>
+      </p:sp>
     </p:spTree>
     <p:extLst>
       <p:ext uri="{BB962C8B-B14F-4D97-AF65-F5344CB8AC3E}">
